--- a/src/main/java/tutorial/example/day4/java_class.pptx
+++ b/src/main/java/tutorial/example/day4/java_class.pptx
@@ -11,6 +11,8 @@
     <p:sldId id="259" r:id="rId5"/>
     <p:sldId id="260" r:id="rId6"/>
     <p:sldId id="262" r:id="rId7"/>
+    <p:sldId id="263" r:id="rId8"/>
+    <p:sldId id="264" r:id="rId9"/>
   </p:sldIdLst>
   <p:sldSz cx="12192000" cy="6858000"/>
   <p:notesSz cx="6858000" cy="9144000"/>
@@ -109,6 +111,11 @@
       </a:defRPr>
     </a:lvl9pPr>
   </p:defaultTextStyle>
+  <p:extLst>
+    <p:ext uri="{EFAFB233-063F-42B5-8137-9DF3F51BA10A}">
+      <p15:sldGuideLst xmlns:p15="http://schemas.microsoft.com/office/powerpoint/2012/main"/>
+    </p:ext>
+  </p:extLst>
 </p:presentation>
 </file>
 
@@ -283,7 +290,7 @@
           <a:p>
             <a:fld id="{48A87A34-81AB-432B-8DAE-1953F412C126}" type="datetimeFigureOut">
               <a:rPr lang="en-US" dirty="0"/>
-              <a:t>2/14/21</a:t>
+              <a:t>2/28/21</a:t>
             </a:fld>
             <a:endParaRPr lang="en-US" dirty="0"/>
           </a:p>
@@ -590,7 +597,7 @@
           <a:p>
             <a:fld id="{48A87A34-81AB-432B-8DAE-1953F412C126}" type="datetimeFigureOut">
               <a:rPr lang="en-US" dirty="0"/>
-              <a:t>2/14/21</a:t>
+              <a:t>2/28/21</a:t>
             </a:fld>
             <a:endParaRPr lang="en-US" dirty="0"/>
           </a:p>
@@ -807,7 +814,7 @@
           <a:p>
             <a:fld id="{48A87A34-81AB-432B-8DAE-1953F412C126}" type="datetimeFigureOut">
               <a:rPr lang="en-US" dirty="0"/>
-              <a:t>2/14/21</a:t>
+              <a:t>2/28/21</a:t>
             </a:fld>
             <a:endParaRPr lang="en-US" dirty="0"/>
           </a:p>
@@ -1093,7 +1100,7 @@
           <a:p>
             <a:fld id="{48A87A34-81AB-432B-8DAE-1953F412C126}" type="datetimeFigureOut">
               <a:rPr lang="en-US" dirty="0"/>
-              <a:t>2/14/21</a:t>
+              <a:t>2/28/21</a:t>
             </a:fld>
             <a:endParaRPr lang="en-US" dirty="0"/>
           </a:p>
@@ -1542,7 +1549,7 @@
           <a:p>
             <a:fld id="{48A87A34-81AB-432B-8DAE-1953F412C126}" type="datetimeFigureOut">
               <a:rPr lang="en-US" dirty="0"/>
-              <a:t>2/14/21</a:t>
+              <a:t>2/28/21</a:t>
             </a:fld>
             <a:endParaRPr lang="en-US" dirty="0"/>
           </a:p>
@@ -2113,7 +2120,7 @@
           <a:p>
             <a:fld id="{48A87A34-81AB-432B-8DAE-1953F412C126}" type="datetimeFigureOut">
               <a:rPr lang="en-US" dirty="0"/>
-              <a:t>2/14/21</a:t>
+              <a:t>2/28/21</a:t>
             </a:fld>
             <a:endParaRPr lang="en-US" dirty="0"/>
           </a:p>
@@ -2960,7 +2967,7 @@
           <a:p>
             <a:fld id="{48A87A34-81AB-432B-8DAE-1953F412C126}" type="datetimeFigureOut">
               <a:rPr lang="en-US" dirty="0"/>
-              <a:t>2/14/21</a:t>
+              <a:t>2/28/21</a:t>
             </a:fld>
             <a:endParaRPr lang="en-US" dirty="0"/>
           </a:p>
@@ -3160,7 +3167,7 @@
           <a:p>
             <a:fld id="{48A87A34-81AB-432B-8DAE-1953F412C126}" type="datetimeFigureOut">
               <a:rPr lang="en-US" dirty="0"/>
-              <a:t>2/14/21</a:t>
+              <a:t>2/28/21</a:t>
             </a:fld>
             <a:endParaRPr lang="en-US" dirty="0"/>
           </a:p>
@@ -3369,7 +3376,7 @@
           <a:p>
             <a:fld id="{48A87A34-81AB-432B-8DAE-1953F412C126}" type="datetimeFigureOut">
               <a:rPr lang="en-US" dirty="0"/>
-              <a:t>2/14/21</a:t>
+              <a:t>2/28/21</a:t>
             </a:fld>
             <a:endParaRPr lang="en-US" dirty="0"/>
           </a:p>
@@ -3569,7 +3576,7 @@
           <a:p>
             <a:fld id="{48A87A34-81AB-432B-8DAE-1953F412C126}" type="datetimeFigureOut">
               <a:rPr lang="en-US" dirty="0"/>
-              <a:t>2/14/21</a:t>
+              <a:t>2/28/21</a:t>
             </a:fld>
             <a:endParaRPr lang="en-US" dirty="0"/>
           </a:p>
@@ -3844,7 +3851,7 @@
           <a:p>
             <a:fld id="{48A87A34-81AB-432B-8DAE-1953F412C126}" type="datetimeFigureOut">
               <a:rPr lang="en-US" dirty="0"/>
-              <a:t>2/14/21</a:t>
+              <a:t>2/28/21</a:t>
             </a:fld>
             <a:endParaRPr lang="en-US" dirty="0"/>
           </a:p>
@@ -4106,7 +4113,7 @@
           <a:p>
             <a:fld id="{48A87A34-81AB-432B-8DAE-1953F412C126}" type="datetimeFigureOut">
               <a:rPr lang="en-US" dirty="0"/>
-              <a:t>2/14/21</a:t>
+              <a:t>2/28/21</a:t>
             </a:fld>
             <a:endParaRPr lang="en-US" dirty="0"/>
           </a:p>
@@ -4516,7 +4523,7 @@
           <a:p>
             <a:fld id="{48A87A34-81AB-432B-8DAE-1953F412C126}" type="datetimeFigureOut">
               <a:rPr lang="en-US" dirty="0"/>
-              <a:t>2/14/21</a:t>
+              <a:t>2/28/21</a:t>
             </a:fld>
             <a:endParaRPr lang="en-US" dirty="0"/>
           </a:p>
@@ -4659,7 +4666,7 @@
           <a:p>
             <a:fld id="{48A87A34-81AB-432B-8DAE-1953F412C126}" type="datetimeFigureOut">
               <a:rPr lang="en-US" dirty="0"/>
-              <a:t>2/14/21</a:t>
+              <a:t>2/28/21</a:t>
             </a:fld>
             <a:endParaRPr lang="en-US" dirty="0"/>
           </a:p>
@@ -4779,7 +4786,7 @@
           <a:p>
             <a:fld id="{48A87A34-81AB-432B-8DAE-1953F412C126}" type="datetimeFigureOut">
               <a:rPr lang="en-US" dirty="0"/>
-              <a:t>2/14/21</a:t>
+              <a:t>2/28/21</a:t>
             </a:fld>
             <a:endParaRPr lang="en-US" dirty="0"/>
           </a:p>
@@ -5053,7 +5060,7 @@
           <a:p>
             <a:fld id="{48A87A34-81AB-432B-8DAE-1953F412C126}" type="datetimeFigureOut">
               <a:rPr lang="en-US" dirty="0"/>
-              <a:t>2/14/21</a:t>
+              <a:t>2/28/21</a:t>
             </a:fld>
             <a:endParaRPr lang="en-US" dirty="0"/>
           </a:p>
@@ -5360,7 +5367,7 @@
           <a:p>
             <a:fld id="{48A87A34-81AB-432B-8DAE-1953F412C126}" type="datetimeFigureOut">
               <a:rPr lang="en-US" dirty="0"/>
-              <a:t>2/14/21</a:t>
+              <a:t>2/28/21</a:t>
             </a:fld>
             <a:endParaRPr lang="en-US" dirty="0"/>
           </a:p>
@@ -5609,7 +5616,7 @@
             <a:fld id="{48A87A34-81AB-432B-8DAE-1953F412C126}" type="datetimeFigureOut">
               <a:rPr lang="en-US" dirty="0"/>
               <a:pPr/>
-              <a:t>2/14/21</a:t>
+              <a:t>2/28/21</a:t>
             </a:fld>
             <a:endParaRPr lang="en-US" dirty="0"/>
           </a:p>
@@ -6844,6 +6851,296 @@
 </p:sld>
 </file>
 
+<file path=ppt/slides/slide7.xml><?xml version="1.0" encoding="utf-8"?>
+<p:sld xmlns:a="http://schemas.openxmlformats.org/drawingml/2006/main" xmlns:r="http://schemas.openxmlformats.org/officeDocument/2006/relationships" xmlns:p="http://schemas.openxmlformats.org/presentationml/2006/main">
+  <p:cSld>
+    <p:spTree>
+      <p:nvGrpSpPr>
+        <p:cNvPr id="1" name=""/>
+        <p:cNvGrpSpPr/>
+        <p:nvPr/>
+      </p:nvGrpSpPr>
+      <p:grpSpPr>
+        <a:xfrm>
+          <a:off x="0" y="0"/>
+          <a:ext cx="0" cy="0"/>
+          <a:chOff x="0" y="0"/>
+          <a:chExt cx="0" cy="0"/>
+        </a:xfrm>
+      </p:grpSpPr>
+      <p:sp>
+        <p:nvSpPr>
+          <p:cNvPr id="2" name="Title 1">
+            <a:extLst>
+              <a:ext uri="{FF2B5EF4-FFF2-40B4-BE49-F238E27FC236}">
+                <a16:creationId xmlns:a16="http://schemas.microsoft.com/office/drawing/2014/main" id="{30B073D7-158E-E949-A777-02E3F4A072A6}"/>
+              </a:ext>
+            </a:extLst>
+          </p:cNvPr>
+          <p:cNvSpPr>
+            <a:spLocks noGrp="1"/>
+          </p:cNvSpPr>
+          <p:nvPr>
+            <p:ph type="title"/>
+          </p:nvPr>
+        </p:nvSpPr>
+        <p:spPr/>
+        <p:txBody>
+          <a:bodyPr/>
+          <a:lstStyle/>
+          <a:p>
+            <a:r>
+              <a:rPr lang="en-US" dirty="0"/>
+              <a:t>Interface </a:t>
+            </a:r>
+          </a:p>
+        </p:txBody>
+      </p:sp>
+      <p:sp>
+        <p:nvSpPr>
+          <p:cNvPr id="3" name="Content Placeholder 2">
+            <a:extLst>
+              <a:ext uri="{FF2B5EF4-FFF2-40B4-BE49-F238E27FC236}">
+                <a16:creationId xmlns:a16="http://schemas.microsoft.com/office/drawing/2014/main" id="{C24534C1-C2D9-9149-86CA-3265243AE07E}"/>
+              </a:ext>
+            </a:extLst>
+          </p:cNvPr>
+          <p:cNvSpPr>
+            <a:spLocks noGrp="1"/>
+          </p:cNvSpPr>
+          <p:nvPr>
+            <p:ph sz="quarter" idx="13"/>
+          </p:nvPr>
+        </p:nvSpPr>
+        <p:spPr/>
+        <p:txBody>
+          <a:bodyPr/>
+          <a:lstStyle/>
+          <a:p>
+            <a:r>
+              <a:rPr lang="en-CA" dirty="0"/>
+              <a:t>core concepts in Java and is used to achieve abstraction, </a:t>
+            </a:r>
+            <a:r>
+              <a:rPr lang="en-CA" dirty="0">
+                <a:hlinkClick r:id="rId2">
+                  <a:extLst>
+                    <a:ext uri="{A12FA001-AC4F-418D-AE19-62706E023703}">
+                      <ahyp:hlinkClr xmlns:ahyp="http://schemas.microsoft.com/office/drawing/2018/hyperlinkcolor" val="tx"/>
+                    </a:ext>
+                  </a:extLst>
+                </a:hlinkClick>
+              </a:rPr>
+              <a:t>polymorphism</a:t>
+            </a:r>
+            <a:r>
+              <a:rPr lang="en-CA" dirty="0"/>
+              <a:t> and </a:t>
+            </a:r>
+            <a:r>
+              <a:rPr lang="en-CA" dirty="0">
+                <a:hlinkClick r:id="rId3">
+                  <a:extLst>
+                    <a:ext uri="{A12FA001-AC4F-418D-AE19-62706E023703}">
+                      <ahyp:hlinkClr xmlns:ahyp="http://schemas.microsoft.com/office/drawing/2018/hyperlinkcolor" val="tx"/>
+                    </a:ext>
+                  </a:extLst>
+                </a:hlinkClick>
+              </a:rPr>
+              <a:t>multiple inheritances</a:t>
+            </a:r>
+            <a:endParaRPr lang="en-CA" dirty="0"/>
+          </a:p>
+          <a:p>
+            <a:r>
+              <a:rPr lang="en-CA" dirty="0"/>
+              <a:t>abstract type that contains a collection of methods and constant variables. </a:t>
+            </a:r>
+          </a:p>
+          <a:p>
+            <a:r>
+              <a:rPr lang="en-CA" dirty="0"/>
+              <a:t>implement an interface in a Java class by using the </a:t>
+            </a:r>
+            <a:r>
+              <a:rPr lang="en-CA" i="1" dirty="0"/>
+              <a:t>implements</a:t>
+            </a:r>
+            <a:r>
+              <a:rPr lang="en-CA" dirty="0"/>
+              <a:t> keyword</a:t>
+            </a:r>
+            <a:endParaRPr lang="en-US" dirty="0"/>
+          </a:p>
+          <a:p>
+            <a:endParaRPr lang="en-US" dirty="0"/>
+          </a:p>
+          <a:p>
+            <a:r>
+              <a:rPr lang="en-US" dirty="0"/>
+              <a:t>vehicle  (car, </a:t>
+            </a:r>
+            <a:r>
+              <a:rPr lang="en-US" dirty="0" err="1"/>
+              <a:t>suv</a:t>
+            </a:r>
+            <a:r>
+              <a:rPr lang="en-US" dirty="0"/>
+              <a:t>, truck)</a:t>
+            </a:r>
+          </a:p>
+        </p:txBody>
+      </p:sp>
+    </p:spTree>
+    <p:extLst>
+      <p:ext uri="{BB962C8B-B14F-4D97-AF65-F5344CB8AC3E}">
+        <p14:creationId xmlns:p14="http://schemas.microsoft.com/office/powerpoint/2010/main" val="3407059289"/>
+      </p:ext>
+    </p:extLst>
+  </p:cSld>
+  <p:clrMapOvr>
+    <a:masterClrMapping/>
+  </p:clrMapOvr>
+</p:sld>
+</file>
+
+<file path=ppt/slides/slide8.xml><?xml version="1.0" encoding="utf-8"?>
+<p:sld xmlns:a="http://schemas.openxmlformats.org/drawingml/2006/main" xmlns:r="http://schemas.openxmlformats.org/officeDocument/2006/relationships" xmlns:p="http://schemas.openxmlformats.org/presentationml/2006/main">
+  <p:cSld>
+    <p:spTree>
+      <p:nvGrpSpPr>
+        <p:cNvPr id="1" name=""/>
+        <p:cNvGrpSpPr/>
+        <p:nvPr/>
+      </p:nvGrpSpPr>
+      <p:grpSpPr>
+        <a:xfrm>
+          <a:off x="0" y="0"/>
+          <a:ext cx="0" cy="0"/>
+          <a:chOff x="0" y="0"/>
+          <a:chExt cx="0" cy="0"/>
+        </a:xfrm>
+      </p:grpSpPr>
+      <p:sp>
+        <p:nvSpPr>
+          <p:cNvPr id="2" name="Title 1">
+            <a:extLst>
+              <a:ext uri="{FF2B5EF4-FFF2-40B4-BE49-F238E27FC236}">
+                <a16:creationId xmlns:a16="http://schemas.microsoft.com/office/drawing/2014/main" id="{602F3445-19EE-8841-8AC7-7133886F366F}"/>
+              </a:ext>
+            </a:extLst>
+          </p:cNvPr>
+          <p:cNvSpPr>
+            <a:spLocks noGrp="1"/>
+          </p:cNvSpPr>
+          <p:nvPr>
+            <p:ph type="title"/>
+          </p:nvPr>
+        </p:nvSpPr>
+        <p:spPr/>
+        <p:txBody>
+          <a:bodyPr/>
+          <a:lstStyle/>
+          <a:p>
+            <a:r>
+              <a:rPr lang="en-US" dirty="0"/>
+              <a:t>Abstract class</a:t>
+            </a:r>
+          </a:p>
+        </p:txBody>
+      </p:sp>
+      <p:sp>
+        <p:nvSpPr>
+          <p:cNvPr id="3" name="Content Placeholder 2">
+            <a:extLst>
+              <a:ext uri="{FF2B5EF4-FFF2-40B4-BE49-F238E27FC236}">
+                <a16:creationId xmlns:a16="http://schemas.microsoft.com/office/drawing/2014/main" id="{7738F714-9B73-4E47-B539-67054C343C7C}"/>
+              </a:ext>
+            </a:extLst>
+          </p:cNvPr>
+          <p:cNvSpPr>
+            <a:spLocks noGrp="1"/>
+          </p:cNvSpPr>
+          <p:nvPr>
+            <p:ph sz="quarter" idx="13"/>
+          </p:nvPr>
+        </p:nvSpPr>
+        <p:spPr/>
+        <p:txBody>
+          <a:bodyPr/>
+          <a:lstStyle/>
+          <a:p>
+            <a:r>
+              <a:rPr lang="en-CA" dirty="0"/>
+              <a:t>a class that is declared abstract</a:t>
+            </a:r>
+          </a:p>
+          <a:p>
+            <a:r>
+              <a:rPr lang="en-CA" dirty="0"/>
+              <a:t>may or may not include abstract methods</a:t>
+            </a:r>
+          </a:p>
+          <a:p>
+            <a:r>
+              <a:rPr lang="en-CA" dirty="0"/>
+              <a:t>Abstract classes cannot be instantiated, but they can be subclassed</a:t>
+            </a:r>
+          </a:p>
+          <a:p>
+            <a:r>
+              <a:rPr lang="en-CA" dirty="0"/>
+              <a:t>a subclass inherits the attributes</a:t>
+            </a:r>
+            <a:r>
+              <a:rPr lang="en-CA"/>
+              <a:t>/methods by </a:t>
+            </a:r>
+            <a:r>
+              <a:rPr lang="en-CA" dirty="0"/>
+              <a:t>using the </a:t>
+            </a:r>
+            <a:r>
+              <a:rPr lang="en-CA" i="1" dirty="0"/>
+              <a:t>extends</a:t>
+            </a:r>
+            <a:r>
+              <a:rPr lang="en-CA" dirty="0"/>
+              <a:t> keyword</a:t>
+            </a:r>
+          </a:p>
+          <a:p>
+            <a:pPr marL="0" indent="0">
+              <a:buNone/>
+            </a:pPr>
+            <a:endParaRPr lang="en-CA" dirty="0"/>
+          </a:p>
+          <a:p>
+            <a:r>
+              <a:rPr lang="en-CA" dirty="0" err="1"/>
+              <a:t>BoardGame</a:t>
+            </a:r>
+            <a:r>
+              <a:rPr lang="en-CA" dirty="0"/>
+              <a:t> (Check, monopoly, Tic Tac Toe)</a:t>
+            </a:r>
+            <a:endParaRPr lang="en-US" dirty="0"/>
+          </a:p>
+        </p:txBody>
+      </p:sp>
+    </p:spTree>
+    <p:extLst>
+      <p:ext uri="{BB962C8B-B14F-4D97-AF65-F5344CB8AC3E}">
+        <p14:creationId xmlns:p14="http://schemas.microsoft.com/office/powerpoint/2010/main" val="1892764783"/>
+      </p:ext>
+    </p:extLst>
+  </p:cSld>
+  <p:clrMapOvr>
+    <a:masterClrMapping/>
+  </p:clrMapOvr>
+</p:sld>
+</file>
+
 <file path=ppt/theme/theme1.xml><?xml version="1.0" encoding="utf-8"?>
 <a:theme xmlns:a="http://schemas.openxmlformats.org/drawingml/2006/main" name="Droplet">
   <a:themeElements>

--- a/src/main/java/tutorial/example/day4/java_class.pptx
+++ b/src/main/java/tutorial/example/day4/java_class.pptx
@@ -290,7 +290,7 @@
           <a:p>
             <a:fld id="{48A87A34-81AB-432B-8DAE-1953F412C126}" type="datetimeFigureOut">
               <a:rPr lang="en-US" dirty="0"/>
-              <a:t>2/28/21</a:t>
+              <a:t>3/7/21</a:t>
             </a:fld>
             <a:endParaRPr lang="en-US" dirty="0"/>
           </a:p>
@@ -597,7 +597,7 @@
           <a:p>
             <a:fld id="{48A87A34-81AB-432B-8DAE-1953F412C126}" type="datetimeFigureOut">
               <a:rPr lang="en-US" dirty="0"/>
-              <a:t>2/28/21</a:t>
+              <a:t>3/7/21</a:t>
             </a:fld>
             <a:endParaRPr lang="en-US" dirty="0"/>
           </a:p>
@@ -814,7 +814,7 @@
           <a:p>
             <a:fld id="{48A87A34-81AB-432B-8DAE-1953F412C126}" type="datetimeFigureOut">
               <a:rPr lang="en-US" dirty="0"/>
-              <a:t>2/28/21</a:t>
+              <a:t>3/7/21</a:t>
             </a:fld>
             <a:endParaRPr lang="en-US" dirty="0"/>
           </a:p>
@@ -1100,7 +1100,7 @@
           <a:p>
             <a:fld id="{48A87A34-81AB-432B-8DAE-1953F412C126}" type="datetimeFigureOut">
               <a:rPr lang="en-US" dirty="0"/>
-              <a:t>2/28/21</a:t>
+              <a:t>3/7/21</a:t>
             </a:fld>
             <a:endParaRPr lang="en-US" dirty="0"/>
           </a:p>
@@ -1549,7 +1549,7 @@
           <a:p>
             <a:fld id="{48A87A34-81AB-432B-8DAE-1953F412C126}" type="datetimeFigureOut">
               <a:rPr lang="en-US" dirty="0"/>
-              <a:t>2/28/21</a:t>
+              <a:t>3/7/21</a:t>
             </a:fld>
             <a:endParaRPr lang="en-US" dirty="0"/>
           </a:p>
@@ -2120,7 +2120,7 @@
           <a:p>
             <a:fld id="{48A87A34-81AB-432B-8DAE-1953F412C126}" type="datetimeFigureOut">
               <a:rPr lang="en-US" dirty="0"/>
-              <a:t>2/28/21</a:t>
+              <a:t>3/7/21</a:t>
             </a:fld>
             <a:endParaRPr lang="en-US" dirty="0"/>
           </a:p>
@@ -2967,7 +2967,7 @@
           <a:p>
             <a:fld id="{48A87A34-81AB-432B-8DAE-1953F412C126}" type="datetimeFigureOut">
               <a:rPr lang="en-US" dirty="0"/>
-              <a:t>2/28/21</a:t>
+              <a:t>3/7/21</a:t>
             </a:fld>
             <a:endParaRPr lang="en-US" dirty="0"/>
           </a:p>
@@ -3167,7 +3167,7 @@
           <a:p>
             <a:fld id="{48A87A34-81AB-432B-8DAE-1953F412C126}" type="datetimeFigureOut">
               <a:rPr lang="en-US" dirty="0"/>
-              <a:t>2/28/21</a:t>
+              <a:t>3/7/21</a:t>
             </a:fld>
             <a:endParaRPr lang="en-US" dirty="0"/>
           </a:p>
@@ -3376,7 +3376,7 @@
           <a:p>
             <a:fld id="{48A87A34-81AB-432B-8DAE-1953F412C126}" type="datetimeFigureOut">
               <a:rPr lang="en-US" dirty="0"/>
-              <a:t>2/28/21</a:t>
+              <a:t>3/7/21</a:t>
             </a:fld>
             <a:endParaRPr lang="en-US" dirty="0"/>
           </a:p>
@@ -3576,7 +3576,7 @@
           <a:p>
             <a:fld id="{48A87A34-81AB-432B-8DAE-1953F412C126}" type="datetimeFigureOut">
               <a:rPr lang="en-US" dirty="0"/>
-              <a:t>2/28/21</a:t>
+              <a:t>3/7/21</a:t>
             </a:fld>
             <a:endParaRPr lang="en-US" dirty="0"/>
           </a:p>
@@ -3851,7 +3851,7 @@
           <a:p>
             <a:fld id="{48A87A34-81AB-432B-8DAE-1953F412C126}" type="datetimeFigureOut">
               <a:rPr lang="en-US" dirty="0"/>
-              <a:t>2/28/21</a:t>
+              <a:t>3/7/21</a:t>
             </a:fld>
             <a:endParaRPr lang="en-US" dirty="0"/>
           </a:p>
@@ -4113,7 +4113,7 @@
           <a:p>
             <a:fld id="{48A87A34-81AB-432B-8DAE-1953F412C126}" type="datetimeFigureOut">
               <a:rPr lang="en-US" dirty="0"/>
-              <a:t>2/28/21</a:t>
+              <a:t>3/7/21</a:t>
             </a:fld>
             <a:endParaRPr lang="en-US" dirty="0"/>
           </a:p>
@@ -4523,7 +4523,7 @@
           <a:p>
             <a:fld id="{48A87A34-81AB-432B-8DAE-1953F412C126}" type="datetimeFigureOut">
               <a:rPr lang="en-US" dirty="0"/>
-              <a:t>2/28/21</a:t>
+              <a:t>3/7/21</a:t>
             </a:fld>
             <a:endParaRPr lang="en-US" dirty="0"/>
           </a:p>
@@ -4666,7 +4666,7 @@
           <a:p>
             <a:fld id="{48A87A34-81AB-432B-8DAE-1953F412C126}" type="datetimeFigureOut">
               <a:rPr lang="en-US" dirty="0"/>
-              <a:t>2/28/21</a:t>
+              <a:t>3/7/21</a:t>
             </a:fld>
             <a:endParaRPr lang="en-US" dirty="0"/>
           </a:p>
@@ -4786,7 +4786,7 @@
           <a:p>
             <a:fld id="{48A87A34-81AB-432B-8DAE-1953F412C126}" type="datetimeFigureOut">
               <a:rPr lang="en-US" dirty="0"/>
-              <a:t>2/28/21</a:t>
+              <a:t>3/7/21</a:t>
             </a:fld>
             <a:endParaRPr lang="en-US" dirty="0"/>
           </a:p>
@@ -5060,7 +5060,7 @@
           <a:p>
             <a:fld id="{48A87A34-81AB-432B-8DAE-1953F412C126}" type="datetimeFigureOut">
               <a:rPr lang="en-US" dirty="0"/>
-              <a:t>2/28/21</a:t>
+              <a:t>3/7/21</a:t>
             </a:fld>
             <a:endParaRPr lang="en-US" dirty="0"/>
           </a:p>
@@ -5367,7 +5367,7 @@
           <a:p>
             <a:fld id="{48A87A34-81AB-432B-8DAE-1953F412C126}" type="datetimeFigureOut">
               <a:rPr lang="en-US" dirty="0"/>
-              <a:t>2/28/21</a:t>
+              <a:t>3/7/21</a:t>
             </a:fld>
             <a:endParaRPr lang="en-US" dirty="0"/>
           </a:p>
@@ -5616,7 +5616,7 @@
             <a:fld id="{48A87A34-81AB-432B-8DAE-1953F412C126}" type="datetimeFigureOut">
               <a:rPr lang="en-US" dirty="0"/>
               <a:pPr/>
-              <a:t>2/28/21</a:t>
+              <a:t>3/7/21</a:t>
             </a:fld>
             <a:endParaRPr lang="en-US" dirty="0"/>
           </a:p>
@@ -7046,6 +7046,11 @@
               <a:rPr lang="en-US" dirty="0"/>
               <a:t>Abstract class</a:t>
             </a:r>
+            <a:r>
+              <a:rPr lang="en-US"/>
+              <a:t>/ method</a:t>
+            </a:r>
+            <a:endParaRPr lang="en-US" dirty="0"/>
           </a:p>
         </p:txBody>
       </p:sp>
@@ -7090,15 +7095,7 @@
           <a:p>
             <a:r>
               <a:rPr lang="en-CA" dirty="0"/>
-              <a:t>a subclass inherits the attributes</a:t>
-            </a:r>
-            <a:r>
-              <a:rPr lang="en-CA"/>
-              <a:t>/methods by </a:t>
-            </a:r>
-            <a:r>
-              <a:rPr lang="en-CA" dirty="0"/>
-              <a:t>using the </a:t>
+              <a:t>a subclass inherits the attributes/methods by using the </a:t>
             </a:r>
             <a:r>
               <a:rPr lang="en-CA" i="1" dirty="0"/>
